--- a/Dokumentation/Laura/Folien_Laura.pptx
+++ b/Dokumentation/Laura/Folien_Laura.pptx
@@ -7331,6 +7331,97 @@
           </a:xfrm>
         </p:spPr>
       </p:pic>
+      <p:pic>
+        <p:nvPicPr>
+          <p:cNvPr id="3074" name="Picture 2" descr="Jaccard Index Definition | DeepAI">
+            <a:extLst>
+              <a:ext uri="{FF2B5EF4-FFF2-40B4-BE49-F238E27FC236}">
+                <a16:creationId xmlns:a16="http://schemas.microsoft.com/office/drawing/2014/main" id="{2655B7D0-94E1-D9E8-A87E-AF7BB3DFBBC3}"/>
+              </a:ext>
+            </a:extLst>
+          </p:cNvPr>
+          <p:cNvPicPr>
+            <a:picLocks noChangeAspect="1" noChangeArrowheads="1"/>
+          </p:cNvPicPr>
+          <p:nvPr/>
+        </p:nvPicPr>
+        <p:blipFill rotWithShape="1">
+          <a:blip r:embed="rId3">
+            <a:extLst>
+              <a:ext uri="{28A0092B-C50C-407E-A947-70E740481C1C}">
+                <a14:useLocalDpi xmlns:a14="http://schemas.microsoft.com/office/drawing/2010/main" val="0"/>
+              </a:ext>
+            </a:extLst>
+          </a:blip>
+          <a:srcRect t="12720" r="56022" b="16911"/>
+          <a:stretch>
+            <a:fillRect/>
+          </a:stretch>
+        </p:blipFill>
+        <p:spPr bwMode="auto">
+          <a:xfrm>
+            <a:off x="8023610" y="4432606"/>
+            <a:ext cx="2195901" cy="948692"/>
+          </a:xfrm>
+          <a:prstGeom prst="rect">
+            <a:avLst/>
+          </a:prstGeom>
+          <a:noFill/>
+          <a:extLst>
+            <a:ext uri="{909E8E84-426E-40DD-AFC4-6F175D3DCCD1}">
+              <a14:hiddenFill xmlns:a14="http://schemas.microsoft.com/office/drawing/2010/main">
+                <a:solidFill>
+                  <a:srgbClr val="FFFFFF"/>
+                </a:solidFill>
+              </a14:hiddenFill>
+            </a:ext>
+          </a:extLst>
+        </p:spPr>
+      </p:pic>
+      <p:cxnSp>
+        <p:nvCxnSpPr>
+          <p:cNvPr id="23" name="Gerade Verbindung mit Pfeil 22">
+            <a:extLst>
+              <a:ext uri="{FF2B5EF4-FFF2-40B4-BE49-F238E27FC236}">
+                <a16:creationId xmlns:a16="http://schemas.microsoft.com/office/drawing/2014/main" id="{319F8A6E-891C-4525-55C9-F75C5D1A3700}"/>
+              </a:ext>
+            </a:extLst>
+          </p:cNvPr>
+          <p:cNvCxnSpPr>
+            <a:endCxn id="3074" idx="1"/>
+          </p:cNvCxnSpPr>
+          <p:nvPr/>
+        </p:nvCxnSpPr>
+        <p:spPr>
+          <a:xfrm>
+            <a:off x="7355393" y="4762919"/>
+            <a:ext cx="668217" cy="144033"/>
+          </a:xfrm>
+          <a:prstGeom prst="straightConnector1">
+            <a:avLst/>
+          </a:prstGeom>
+          <a:ln>
+            <a:solidFill>
+              <a:schemeClr val="tx1"/>
+            </a:solidFill>
+            <a:tailEnd type="triangle"/>
+          </a:ln>
+        </p:spPr>
+        <p:style>
+          <a:lnRef idx="1">
+            <a:schemeClr val="accent6"/>
+          </a:lnRef>
+          <a:fillRef idx="0">
+            <a:schemeClr val="accent6"/>
+          </a:fillRef>
+          <a:effectRef idx="0">
+            <a:schemeClr val="accent6"/>
+          </a:effectRef>
+          <a:fontRef idx="minor">
+            <a:schemeClr val="tx1"/>
+          </a:fontRef>
+        </p:style>
+      </p:cxnSp>
     </p:spTree>
     <p:extLst>
       <p:ext uri="{BB962C8B-B14F-4D97-AF65-F5344CB8AC3E}">
@@ -7411,12 +7502,22 @@
           <a:bodyPr/>
           <a:lstStyle/>
           <a:p>
+            <a:pPr>
+              <a:lnSpc>
+                <a:spcPct val="150000"/>
+              </a:lnSpc>
+            </a:pPr>
             <a:r>
               <a:rPr lang="de-DE" dirty="0"/>
               <a:t>Bugs beheben</a:t>
             </a:r>
           </a:p>
           <a:p>
+            <a:pPr>
+              <a:lnSpc>
+                <a:spcPct val="150000"/>
+              </a:lnSpc>
+            </a:pPr>
             <a:r>
               <a:rPr lang="de-DE" dirty="0" err="1"/>
               <a:t>Richitge</a:t>
@@ -7435,6 +7536,11 @@
             </a:r>
           </a:p>
           <a:p>
+            <a:pPr>
+              <a:lnSpc>
+                <a:spcPct val="150000"/>
+              </a:lnSpc>
+            </a:pPr>
             <a:r>
               <a:rPr lang="de-DE" dirty="0"/>
               <a:t>Freunde </a:t>
@@ -7446,19 +7552,113 @@
             <a:endParaRPr lang="de-DE" dirty="0"/>
           </a:p>
           <a:p>
+            <a:pPr>
+              <a:lnSpc>
+                <a:spcPct val="150000"/>
+              </a:lnSpc>
+            </a:pPr>
             <a:r>
               <a:rPr lang="de-DE" dirty="0"/>
               <a:t>Film Cover hinzufügen</a:t>
             </a:r>
           </a:p>
           <a:p>
+            <a:pPr>
+              <a:lnSpc>
+                <a:spcPct val="150000"/>
+              </a:lnSpc>
+            </a:pPr>
             <a:r>
               <a:rPr lang="de-DE" dirty="0"/>
-              <a:t>Plattformübergreifend</a:t>
-            </a:r>
-          </a:p>
-        </p:txBody>
-      </p:sp>
+              <a:t>Verfügbarkeit auf Streamingplattform</a:t>
+            </a:r>
+          </a:p>
+        </p:txBody>
+      </p:sp>
+      <p:pic>
+        <p:nvPicPr>
+          <p:cNvPr id="4" name="Grafik 3" descr="Ein Bild, das Text, Screenshot, Software, Display enthält.&#10;&#10;KI-generierte Inhalte können fehlerhaft sein.">
+            <a:extLst>
+              <a:ext uri="{FF2B5EF4-FFF2-40B4-BE49-F238E27FC236}">
+                <a16:creationId xmlns:a16="http://schemas.microsoft.com/office/drawing/2014/main" id="{A3D13E8E-F3D7-51E4-0EFF-CFDF4C692463}"/>
+              </a:ext>
+            </a:extLst>
+          </p:cNvPr>
+          <p:cNvPicPr>
+            <a:picLocks noChangeAspect="1"/>
+          </p:cNvPicPr>
+          <p:nvPr/>
+        </p:nvPicPr>
+        <p:blipFill>
+          <a:blip r:embed="rId2">
+            <a:extLst>
+              <a:ext uri="{28A0092B-C50C-407E-A947-70E740481C1C}">
+                <a14:useLocalDpi xmlns:a14="http://schemas.microsoft.com/office/drawing/2010/main" val="0"/>
+              </a:ext>
+            </a:extLst>
+          </a:blip>
+          <a:srcRect l="22537" t="61099" r="23059" b="24396"/>
+          <a:stretch>
+            <a:fillRect/>
+          </a:stretch>
+        </p:blipFill>
+        <p:spPr>
+          <a:xfrm>
+            <a:off x="6109068" y="3359755"/>
+            <a:ext cx="5476681" cy="1202197"/>
+          </a:xfrm>
+          <a:prstGeom prst="rect">
+            <a:avLst/>
+          </a:prstGeom>
+        </p:spPr>
+      </p:pic>
+      <p:pic>
+        <p:nvPicPr>
+          <p:cNvPr id="4100" name="Picture 4" descr="O Último Desafio - SAPO Mag">
+            <a:extLst>
+              <a:ext uri="{FF2B5EF4-FFF2-40B4-BE49-F238E27FC236}">
+                <a16:creationId xmlns:a16="http://schemas.microsoft.com/office/drawing/2014/main" id="{02E0FF5B-DCE0-84D0-E162-544A6ABB520F}"/>
+              </a:ext>
+            </a:extLst>
+          </p:cNvPr>
+          <p:cNvPicPr>
+            <a:picLocks noChangeAspect="1" noChangeArrowheads="1"/>
+          </p:cNvPicPr>
+          <p:nvPr/>
+        </p:nvPicPr>
+        <p:blipFill>
+          <a:blip r:embed="rId3">
+            <a:extLst>
+              <a:ext uri="{28A0092B-C50C-407E-A947-70E740481C1C}">
+                <a14:useLocalDpi xmlns:a14="http://schemas.microsoft.com/office/drawing/2010/main" val="0"/>
+              </a:ext>
+            </a:extLst>
+          </a:blip>
+          <a:srcRect/>
+          <a:stretch>
+            <a:fillRect/>
+          </a:stretch>
+        </p:blipFill>
+        <p:spPr bwMode="auto">
+          <a:xfrm>
+            <a:off x="9950590" y="2911187"/>
+            <a:ext cx="1635159" cy="2180212"/>
+          </a:xfrm>
+          <a:prstGeom prst="rect">
+            <a:avLst/>
+          </a:prstGeom>
+          <a:noFill/>
+          <a:extLst>
+            <a:ext uri="{909E8E84-426E-40DD-AFC4-6F175D3DCCD1}">
+              <a14:hiddenFill xmlns:a14="http://schemas.microsoft.com/office/drawing/2010/main">
+                <a:solidFill>
+                  <a:srgbClr val="FFFFFF"/>
+                </a:solidFill>
+              </a14:hiddenFill>
+            </a:ext>
+          </a:extLst>
+        </p:spPr>
+      </p:pic>
     </p:spTree>
     <p:extLst>
       <p:ext uri="{BB962C8B-B14F-4D97-AF65-F5344CB8AC3E}">

--- a/Dokumentation/Laura/Folien_Laura.pptx
+++ b/Dokumentation/Laura/Folien_Laura.pptx
@@ -7473,7 +7473,6 @@
           <a:bodyPr/>
           <a:lstStyle/>
           <a:p>
-            <a:pPr algn="ctr"/>
             <a:r>
               <a:rPr lang="de-DE" dirty="0"/>
               <a:t>Zukunft</a:t>
@@ -7497,9 +7496,16 @@
             <p:ph idx="1"/>
           </p:nvPr>
         </p:nvSpPr>
-        <p:spPr/>
-        <p:txBody>
-          <a:bodyPr/>
+        <p:spPr>
+          <a:xfrm>
+            <a:off x="851268" y="1690688"/>
+            <a:ext cx="10515600" cy="4351336"/>
+          </a:xfrm>
+        </p:spPr>
+        <p:txBody>
+          <a:bodyPr>
+            <a:normAutofit lnSpcReduction="10000"/>
+          </a:bodyPr>
           <a:lstStyle/>
           <a:p>
             <a:pPr>
@@ -7543,13 +7549,8 @@
             </a:pPr>
             <a:r>
               <a:rPr lang="de-DE" dirty="0"/>
-              <a:t>Freunde </a:t>
-            </a:r>
-            <a:r>
-              <a:rPr lang="de-DE" dirty="0" err="1"/>
-              <a:t>adden</a:t>
-            </a:r>
-            <a:endParaRPr lang="de-DE" dirty="0"/>
+              <a:t>Filmcover </a:t>
+            </a:r>
           </a:p>
           <a:p>
             <a:pPr>
@@ -7559,8 +7560,13 @@
             </a:pPr>
             <a:r>
               <a:rPr lang="de-DE" dirty="0"/>
-              <a:t>Film Cover hinzufügen</a:t>
-            </a:r>
+              <a:t>Freunde </a:t>
+            </a:r>
+            <a:r>
+              <a:rPr lang="de-DE" dirty="0" err="1"/>
+              <a:t>adden</a:t>
+            </a:r>
+            <a:endParaRPr lang="de-DE" dirty="0"/>
           </a:p>
           <a:p>
             <a:pPr>
@@ -7571,6 +7577,17 @@
             <a:r>
               <a:rPr lang="de-DE" dirty="0"/>
               <a:t>Verfügbarkeit auf Streamingplattform</a:t>
+            </a:r>
+          </a:p>
+          <a:p>
+            <a:pPr>
+              <a:lnSpc>
+                <a:spcPct val="150000"/>
+              </a:lnSpc>
+            </a:pPr>
+            <a:r>
+              <a:rPr lang="de-DE" dirty="0"/>
+              <a:t>Suchfilter</a:t>
             </a:r>
           </a:p>
         </p:txBody>
@@ -7604,7 +7621,7 @@
         </p:blipFill>
         <p:spPr>
           <a:xfrm>
-            <a:off x="6109068" y="3359755"/>
+            <a:off x="6109068" y="3045123"/>
             <a:ext cx="5476681" cy="1202197"/>
           </a:xfrm>
           <a:prstGeom prst="rect">
@@ -7641,7 +7658,7 @@
         </p:blipFill>
         <p:spPr bwMode="auto">
           <a:xfrm>
-            <a:off x="9950590" y="2911187"/>
+            <a:off x="9950590" y="2596555"/>
             <a:ext cx="1635159" cy="2180212"/>
           </a:xfrm>
           <a:prstGeom prst="rect">
